--- a/поиск_похожих_фото_2.pptx
+++ b/поиск_похожих_фото_2.pptx
@@ -4984,9 +4984,7 @@
         <a:gradFill>
           <a:gsLst>
             <a:gs pos="0">
-              <a:schemeClr val="accent6">
-                <a:lumMod val="75000"/>
-              </a:schemeClr>
+              <a:schemeClr val="accent1"/>
             </a:gs>
             <a:gs pos="39000">
               <a:srgbClr val="3544FF"/>
@@ -5383,6 +5381,24 @@
 <file path=ppt/slides/slide10.xml><?xml version="1.0" encoding="utf-8"?>
 <p:sld xmlns:a="http://schemas.openxmlformats.org/drawingml/2006/main" xmlns:r="http://schemas.openxmlformats.org/officeDocument/2006/relationships" xmlns:p="http://schemas.openxmlformats.org/presentationml/2006/main" xmlns:m="http://schemas.openxmlformats.org/officeDocument/2006/math" xmlns:w="http://schemas.openxmlformats.org/wordprocessingml/2006/main" showMasterPhAnim="0" show="1">
   <p:cSld name="">
+    <p:bg>
+      <p:bgPr shadeToTitle="0">
+        <a:gradFill>
+          <a:gsLst>
+            <a:gs pos="0">
+              <a:schemeClr val="accent1"/>
+            </a:gs>
+            <a:gs pos="39000">
+              <a:srgbClr val="3544FF"/>
+            </a:gs>
+            <a:gs pos="100000">
+              <a:srgbClr val="0A2F9E"/>
+            </a:gs>
+          </a:gsLst>
+          <a:lin ang="8100000" scaled="1"/>
+        </a:gradFill>
+      </p:bgPr>
+    </p:bg>
     <p:spTree>
       <p:nvGrpSpPr>
         <p:cNvPr id="1" name="" hidden="0"/>
@@ -5433,7 +5449,7 @@
               <a:defRPr/>
             </a:pPr>
             <a:r>
-              <a:rPr sz="2000"/>
+              <a:rPr sz="2600"/>
               <a:t>Результат работы</a:t>
             </a:r>
             <a:endParaRPr sz="2000"/>
@@ -5520,7 +5536,7 @@
             </a:pPr>
             <a:r>
               <a:rPr/>
-              <a:t>8</a:t>
+              <a:t>10</a:t>
             </a:r>
             <a:endParaRPr/>
           </a:p>
@@ -5562,8 +5578,8 @@
         </p:blipFill>
         <p:spPr bwMode="auto">
           <a:xfrm flipH="0" flipV="0">
-            <a:off x="189276" y="1829300"/>
-            <a:ext cx="4474243" cy="3070559"/>
+            <a:off x="-26289" y="1491414"/>
+            <a:ext cx="5003131" cy="3634539"/>
           </a:xfrm>
           <a:prstGeom prst="rect">
             <a:avLst/>
@@ -5584,8 +5600,8 @@
         </p:blipFill>
         <p:spPr bwMode="auto">
           <a:xfrm flipH="0" flipV="0">
-            <a:off x="4788848" y="1829300"/>
-            <a:ext cx="4257823" cy="2581776"/>
+            <a:off x="4630502" y="1666372"/>
+            <a:ext cx="4257675" cy="2845469"/>
           </a:xfrm>
           <a:prstGeom prst="rect">
             <a:avLst/>
@@ -5616,7 +5632,7 @@
         <a:gradFill>
           <a:gsLst>
             <a:gs pos="0">
-              <a:srgbClr val="8231E6"/>
+              <a:schemeClr val="accent1"/>
             </a:gs>
             <a:gs pos="39000">
               <a:srgbClr val="3544FF"/>
@@ -5655,8 +5671,8 @@
         </p:nvSpPr>
         <p:spPr bwMode="auto">
           <a:xfrm flipH="0" flipV="0">
-            <a:off x="435142" y="2936329"/>
-            <a:ext cx="3213213" cy="744647"/>
+            <a:off x="411247" y="2872020"/>
+            <a:ext cx="3877456" cy="744646"/>
           </a:xfrm>
           <a:prstGeom prst="rect">
             <a:avLst/>
@@ -5679,7 +5695,7 @@
               <a:defRPr/>
             </a:pPr>
             <a:r>
-              <a:rPr lang="en" sz="2200">
+              <a:rPr lang="en" sz="2600">
                 <a:solidFill>
                   <a:schemeClr val="accent4">
                     <a:lumMod val="60000"/>
@@ -5705,7 +5721,7 @@
         </p:nvSpPr>
         <p:spPr bwMode="auto">
           <a:xfrm flipH="0" flipV="0">
-            <a:off x="435142" y="3994082"/>
+            <a:off x="435141" y="3890302"/>
             <a:ext cx="1784463" cy="784800"/>
           </a:xfrm>
           <a:prstGeom prst="rect">
@@ -5982,6 +5998,24 @@
 <file path=ppt/slides/slide2.xml><?xml version="1.0" encoding="utf-8"?>
 <p:sld xmlns:a="http://schemas.openxmlformats.org/drawingml/2006/main" xmlns:r="http://schemas.openxmlformats.org/officeDocument/2006/relationships" xmlns:p="http://schemas.openxmlformats.org/presentationml/2006/main" xmlns:m="http://schemas.openxmlformats.org/officeDocument/2006/math" xmlns:w="http://schemas.openxmlformats.org/wordprocessingml/2006/main" showMasterPhAnim="0" show="1">
   <p:cSld name="">
+    <p:bg>
+      <p:bgPr shadeToTitle="0">
+        <a:gradFill>
+          <a:gsLst>
+            <a:gs pos="0">
+              <a:schemeClr val="accent1"/>
+            </a:gs>
+            <a:gs pos="39000">
+              <a:srgbClr val="3544FF"/>
+            </a:gs>
+            <a:gs pos="100000">
+              <a:srgbClr val="0A2F9E"/>
+            </a:gs>
+          </a:gsLst>
+          <a:lin ang="8100000" scaled="1"/>
+        </a:gradFill>
+      </p:bgPr>
+    </p:bg>
     <p:spTree>
       <p:nvGrpSpPr>
         <p:cNvPr id="1" name="" hidden="0"/>
@@ -6032,10 +6066,10 @@
               <a:defRPr/>
             </a:pPr>
             <a:r>
-              <a:rPr lang="en" sz="2400"/>
+              <a:rPr lang="en" sz="2600"/>
               <a:t>Существующие решения</a:t>
             </a:r>
-            <a:endParaRPr/>
+            <a:endParaRPr sz="2600"/>
           </a:p>
         </p:txBody>
       </p:sp>
@@ -6702,6 +6736,24 @@
 <file path=ppt/slides/slide3.xml><?xml version="1.0" encoding="utf-8"?>
 <p:sld xmlns:a="http://schemas.openxmlformats.org/drawingml/2006/main" xmlns:r="http://schemas.openxmlformats.org/officeDocument/2006/relationships" xmlns:p="http://schemas.openxmlformats.org/presentationml/2006/main" xmlns:m="http://schemas.openxmlformats.org/officeDocument/2006/math" xmlns:w="http://schemas.openxmlformats.org/wordprocessingml/2006/main" showMasterPhAnim="0" show="1">
   <p:cSld name="">
+    <p:bg>
+      <p:bgPr shadeToTitle="0">
+        <a:gradFill>
+          <a:gsLst>
+            <a:gs pos="0">
+              <a:schemeClr val="accent1"/>
+            </a:gs>
+            <a:gs pos="39000">
+              <a:srgbClr val="3544FF"/>
+            </a:gs>
+            <a:gs pos="100000">
+              <a:srgbClr val="0A2F9E"/>
+            </a:gs>
+          </a:gsLst>
+          <a:lin ang="8100000" scaled="1"/>
+        </a:gradFill>
+      </p:bgPr>
+    </p:bg>
     <p:spTree>
       <p:nvGrpSpPr>
         <p:cNvPr id="1" name="" hidden="0"/>
@@ -6922,8 +6974,8 @@
         </p:nvSpPr>
         <p:spPr bwMode="auto">
           <a:xfrm flipH="0" flipV="0">
-            <a:off x="578694" y="858121"/>
-            <a:ext cx="2243387" cy="579155"/>
+            <a:off x="578693" y="858120"/>
+            <a:ext cx="3019529" cy="579154"/>
           </a:xfrm>
           <a:prstGeom prst="rect">
             <a:avLst/>
@@ -6939,12 +6991,12 @@
               <a:defRPr/>
             </a:pPr>
             <a:r>
-              <a:rPr sz="2000" b="1">
+              <a:rPr sz="2600" b="1">
                 <a:solidFill>
                   <a:schemeClr val="bg1"/>
                 </a:solidFill>
               </a:rPr>
-              <a:t>Особенности:</a:t>
+              <a:t>Особенности</a:t>
             </a:r>
             <a:endParaRPr sz="2000" b="1">
               <a:solidFill>
@@ -6973,6 +7025,24 @@
 <file path=ppt/slides/slide4.xml><?xml version="1.0" encoding="utf-8"?>
 <p:sld xmlns:a="http://schemas.openxmlformats.org/drawingml/2006/main" xmlns:r="http://schemas.openxmlformats.org/officeDocument/2006/relationships" xmlns:p="http://schemas.openxmlformats.org/presentationml/2006/main" xmlns:m="http://schemas.openxmlformats.org/officeDocument/2006/math" xmlns:w="http://schemas.openxmlformats.org/wordprocessingml/2006/main" showMasterPhAnim="0" show="1">
   <p:cSld name="">
+    <p:bg>
+      <p:bgPr shadeToTitle="0">
+        <a:gradFill>
+          <a:gsLst>
+            <a:gs pos="0">
+              <a:schemeClr val="accent1"/>
+            </a:gs>
+            <a:gs pos="39000">
+              <a:srgbClr val="3544FF"/>
+            </a:gs>
+            <a:gs pos="100000">
+              <a:srgbClr val="0A2F9E"/>
+            </a:gs>
+          </a:gsLst>
+          <a:lin ang="8100000" scaled="1"/>
+        </a:gradFill>
+      </p:bgPr>
+    </p:bg>
     <p:spTree>
       <p:nvGrpSpPr>
         <p:cNvPr id="1" name="" hidden="0"/>
@@ -6999,7 +7069,7 @@
         </p:nvSpPr>
         <p:spPr bwMode="auto">
           <a:xfrm flipH="0" flipV="0">
-            <a:off x="578693" y="350920"/>
+            <a:off x="578692" y="401051"/>
             <a:ext cx="7511995" cy="313321"/>
           </a:xfrm>
           <a:prstGeom prst="rect">
@@ -7023,7 +7093,7 @@
               <a:defRPr/>
             </a:pPr>
             <a:r>
-              <a:rPr lang="en" sz="2000"/>
+              <a:rPr lang="en" sz="2600"/>
               <a:t>Начальные предположения</a:t>
             </a:r>
             <a:endParaRPr sz="7200"/>
@@ -7247,6 +7317,24 @@
 <file path=ppt/slides/slide5.xml><?xml version="1.0" encoding="utf-8"?>
 <p:sld xmlns:a="http://schemas.openxmlformats.org/drawingml/2006/main" xmlns:r="http://schemas.openxmlformats.org/officeDocument/2006/relationships" xmlns:p="http://schemas.openxmlformats.org/presentationml/2006/main" xmlns:m="http://schemas.openxmlformats.org/officeDocument/2006/math" xmlns:w="http://schemas.openxmlformats.org/wordprocessingml/2006/main" showMasterPhAnim="0" show="1">
   <p:cSld name="">
+    <p:bg>
+      <p:bgPr shadeToTitle="0">
+        <a:gradFill>
+          <a:gsLst>
+            <a:gs pos="0">
+              <a:schemeClr val="accent1"/>
+            </a:gs>
+            <a:gs pos="39000">
+              <a:srgbClr val="3544FF"/>
+            </a:gs>
+            <a:gs pos="100000">
+              <a:srgbClr val="0A2F9E"/>
+            </a:gs>
+          </a:gsLst>
+          <a:lin ang="8100000" scaled="1"/>
+        </a:gradFill>
+      </p:bgPr>
+    </p:bg>
     <p:spTree>
       <p:nvGrpSpPr>
         <p:cNvPr id="1" name="" hidden="0"/>
@@ -7297,7 +7385,7 @@
               <a:defRPr/>
             </a:pPr>
             <a:r>
-              <a:rPr lang="en" sz="2000"/>
+              <a:rPr lang="en" sz="2600"/>
               <a:t>Реализация</a:t>
             </a:r>
             <a:endParaRPr/>
@@ -7471,9 +7559,9 @@
           <a:stretch/>
         </p:blipFill>
         <p:spPr bwMode="auto">
-          <a:xfrm flipH="0" flipV="0">
-            <a:off x="580548" y="2166946"/>
-            <a:ext cx="3644319" cy="2670750"/>
+          <a:xfrm>
+            <a:off x="580546" y="2166945"/>
+            <a:ext cx="3648074" cy="2676524"/>
           </a:xfrm>
           <a:prstGeom prst="rect">
             <a:avLst/>
@@ -7493,9 +7581,9 @@
           <a:stretch/>
         </p:blipFill>
         <p:spPr bwMode="auto">
-          <a:xfrm flipH="0" flipV="0">
-            <a:off x="4939243" y="2180723"/>
-            <a:ext cx="3208419" cy="2638724"/>
+          <a:xfrm>
+            <a:off x="4939242" y="2180722"/>
+            <a:ext cx="3209924" cy="2638424"/>
           </a:xfrm>
           <a:prstGeom prst="rect">
             <a:avLst/>
@@ -7521,6 +7609,24 @@
 <file path=ppt/slides/slide6.xml><?xml version="1.0" encoding="utf-8"?>
 <p:sld xmlns:a="http://schemas.openxmlformats.org/drawingml/2006/main" xmlns:r="http://schemas.openxmlformats.org/officeDocument/2006/relationships" xmlns:p="http://schemas.openxmlformats.org/presentationml/2006/main" xmlns:m="http://schemas.openxmlformats.org/officeDocument/2006/math" xmlns:w="http://schemas.openxmlformats.org/wordprocessingml/2006/main" showMasterPhAnim="0" show="1">
   <p:cSld name="">
+    <p:bg>
+      <p:bgPr shadeToTitle="0">
+        <a:gradFill>
+          <a:gsLst>
+            <a:gs pos="0">
+              <a:schemeClr val="accent1"/>
+            </a:gs>
+            <a:gs pos="39000">
+              <a:srgbClr val="3544FF"/>
+            </a:gs>
+            <a:gs pos="100000">
+              <a:srgbClr val="0A2F9E"/>
+            </a:gs>
+          </a:gsLst>
+          <a:lin ang="8100000" scaled="1"/>
+        </a:gradFill>
+      </p:bgPr>
+    </p:bg>
     <p:spTree>
       <p:nvGrpSpPr>
         <p:cNvPr id="1" name="" hidden="0"/>
@@ -7656,7 +7762,7 @@
             </a:pPr>
             <a:r>
               <a:rPr/>
-              <a:t>5</a:t>
+              <a:t>6</a:t>
             </a:r>
             <a:endParaRPr/>
           </a:p>
@@ -7677,7 +7783,7 @@
         <p:spPr bwMode="auto">
           <a:xfrm flipH="0" flipV="0">
             <a:off x="8421967" y="4531547"/>
-            <a:ext cx="466210" cy="451291"/>
+            <a:ext cx="466210" cy="451290"/>
           </a:xfrm>
           <a:prstGeom prst="rect">
             <a:avLst/>
@@ -7722,8 +7828,8 @@
         </p:blipFill>
         <p:spPr bwMode="auto">
           <a:xfrm flipH="0" flipV="0">
-            <a:off x="4011809" y="2481512"/>
-            <a:ext cx="3960393" cy="2494046"/>
+            <a:off x="3585690" y="2368716"/>
+            <a:ext cx="4504997" cy="2769769"/>
           </a:xfrm>
           <a:prstGeom prst="rect">
             <a:avLst/>
@@ -7749,6 +7855,24 @@
 <file path=ppt/slides/slide7.xml><?xml version="1.0" encoding="utf-8"?>
 <p:sld xmlns:a="http://schemas.openxmlformats.org/drawingml/2006/main" xmlns:r="http://schemas.openxmlformats.org/officeDocument/2006/relationships" xmlns:p="http://schemas.openxmlformats.org/presentationml/2006/main" xmlns:m="http://schemas.openxmlformats.org/officeDocument/2006/math" xmlns:w="http://schemas.openxmlformats.org/wordprocessingml/2006/main" showMasterPhAnim="0" show="1">
   <p:cSld name="">
+    <p:bg>
+      <p:bgPr shadeToTitle="0">
+        <a:gradFill>
+          <a:gsLst>
+            <a:gs pos="0">
+              <a:schemeClr val="accent1"/>
+            </a:gs>
+            <a:gs pos="39000">
+              <a:srgbClr val="3544FF"/>
+            </a:gs>
+            <a:gs pos="100000">
+              <a:srgbClr val="0A2F9E"/>
+            </a:gs>
+          </a:gsLst>
+          <a:lin ang="8100000" scaled="1"/>
+        </a:gradFill>
+      </p:bgPr>
+    </p:bg>
     <p:spTree>
       <p:nvGrpSpPr>
         <p:cNvPr id="1" name="" hidden="0"/>
@@ -7800,7 +7924,7 @@
             </a:pPr>
             <a:r>
               <a:rPr/>
-              <a:t>6</a:t>
+              <a:t>7</a:t>
             </a:r>
             <a:endParaRPr/>
           </a:p>
@@ -7941,7 +8065,7 @@
                 <a:ea typeface="Muli Light"/>
                 <a:cs typeface="Muli Light"/>
               </a:rPr>
-              <a:t>Например количество точек можно взять как квадратный корень из суммы разрешения изображения. </a:t>
+              <a:t>Например, количество точек можно взять как квадратный корень из суммы разрешения изображения. </a:t>
             </a:r>
             <a:endParaRPr sz="2200" b="0" i="0" u="none" strike="noStrike" cap="none" spc="0">
               <a:solidFill>
@@ -7968,8 +8092,8 @@
         </p:blipFill>
         <p:spPr bwMode="auto">
           <a:xfrm flipH="0" flipV="0">
-            <a:off x="5979473" y="345832"/>
-            <a:ext cx="2813605" cy="3940416"/>
+            <a:off x="5854144" y="270574"/>
+            <a:ext cx="2938933" cy="4115936"/>
           </a:xfrm>
           <a:prstGeom prst="rect">
             <a:avLst/>
@@ -7995,6 +8119,24 @@
 <file path=ppt/slides/slide8.xml><?xml version="1.0" encoding="utf-8"?>
 <p:sld xmlns:a="http://schemas.openxmlformats.org/drawingml/2006/main" xmlns:r="http://schemas.openxmlformats.org/officeDocument/2006/relationships" xmlns:p="http://schemas.openxmlformats.org/presentationml/2006/main" xmlns:m="http://schemas.openxmlformats.org/officeDocument/2006/math" xmlns:w="http://schemas.openxmlformats.org/wordprocessingml/2006/main" showMasterPhAnim="0" show="1">
   <p:cSld name="">
+    <p:bg>
+      <p:bgPr shadeToTitle="0">
+        <a:gradFill>
+          <a:gsLst>
+            <a:gs pos="0">
+              <a:schemeClr val="accent1"/>
+            </a:gs>
+            <a:gs pos="39000">
+              <a:srgbClr val="3544FF"/>
+            </a:gs>
+            <a:gs pos="100000">
+              <a:srgbClr val="0A2F9E"/>
+            </a:gs>
+          </a:gsLst>
+          <a:lin ang="8100000" scaled="1"/>
+        </a:gradFill>
+      </p:bgPr>
+    </p:bg>
     <p:spTree>
       <p:nvGrpSpPr>
         <p:cNvPr id="1" name="" hidden="0"/>
@@ -8021,8 +8163,8 @@
         </p:nvSpPr>
         <p:spPr bwMode="auto">
           <a:xfrm flipH="0" flipV="0">
-            <a:off x="430155" y="338388"/>
-            <a:ext cx="4170700" cy="4362449"/>
+            <a:off x="430154" y="338387"/>
+            <a:ext cx="4170699" cy="4123322"/>
           </a:xfrm>
           <a:prstGeom prst="rect">
             <a:avLst/>
@@ -8196,7 +8338,7 @@
             </a:pPr>
             <a:r>
               <a:rPr/>
-              <a:t>7</a:t>
+              <a:t>8</a:t>
             </a:r>
             <a:endParaRPr/>
           </a:p>
@@ -8261,15 +8403,524 @@
           <a:stretch/>
         </p:blipFill>
         <p:spPr bwMode="auto">
+          <a:xfrm flipH="0" flipV="0">
+            <a:off x="5497962" y="877302"/>
+            <a:ext cx="2137854" cy="3031454"/>
+          </a:xfrm>
+          <a:prstGeom prst="rect">
+            <a:avLst/>
+          </a:prstGeom>
+        </p:spPr>
+      </p:pic>
+      <p:sp>
+        <p:nvSpPr>
+          <p:cNvPr id="9" name="" hidden="0"/>
+          <p:cNvSpPr/>
+          <p:nvPr isPhoto="0" userDrawn="0"/>
+        </p:nvSpPr>
+        <p:spPr bwMode="auto">
           <a:xfrm>
-            <a:off x="5077104" y="352675"/>
-            <a:ext cx="3095624" cy="4333874"/>
-          </a:xfrm>
-          <a:prstGeom prst="rect">
-            <a:avLst/>
-          </a:prstGeom>
-        </p:spPr>
-      </p:pic>
+            <a:off x="4789532" y="1306721"/>
+            <a:ext cx="1178236" cy="396275"/>
+          </a:xfrm>
+          <a:prstGeom prst="rect">
+            <a:avLst/>
+          </a:prstGeom>
+          <a:noFill/>
+          <a:ln>
+            <a:noFill/>
+          </a:ln>
+        </p:spPr>
+        <p:txBody>
+          <a:bodyPr rot="0" spcFirstLastPara="0" vertOverflow="overflow" horzOverflow="clip" vert="horz" wrap="none" lIns="91440" tIns="45720" rIns="91440" bIns="45720" numCol="1" spcCol="0" rtlCol="0" fromWordArt="0" anchor="t" anchorCtr="0" forceAA="0" upright="0" compatLnSpc="1">
+            <a:prstTxWarp prst="textNoShape"/>
+            <a:spAutoFit/>
+          </a:bodyPr>
+          <a:p>
+            <a:pPr algn="ctr">
+              <a:defRPr/>
+            </a:pPr>
+            <a:r>
+              <a:rPr sz="2000" b="1">
+                <a:ln>
+                  <a:noFill/>
+                </a:ln>
+                <a:solidFill>
+                  <a:schemeClr val="accent3"/>
+                </a:solidFill>
+              </a:rPr>
+              <a:t>(x</a:t>
+            </a:r>
+            <a:r>
+              <a:rPr sz="2000" b="1" baseline="-25000">
+                <a:ln>
+                  <a:noFill/>
+                </a:ln>
+                <a:solidFill>
+                  <a:schemeClr val="accent3"/>
+                </a:solidFill>
+              </a:rPr>
+              <a:t>1</a:t>
+            </a:r>
+            <a:r>
+              <a:rPr sz="2000" b="1">
+                <a:ln>
+                  <a:noFill/>
+                </a:ln>
+                <a:solidFill>
+                  <a:schemeClr val="accent3"/>
+                </a:solidFill>
+              </a:rPr>
+              <a:t>,y</a:t>
+            </a:r>
+            <a:r>
+              <a:rPr sz="2000" b="1" baseline="-25000">
+                <a:ln>
+                  <a:noFill/>
+                </a:ln>
+                <a:solidFill>
+                  <a:schemeClr val="accent3"/>
+                </a:solidFill>
+              </a:rPr>
+              <a:t>1</a:t>
+            </a:r>
+            <a:r>
+              <a:rPr sz="2000" b="1">
+                <a:ln>
+                  <a:noFill/>
+                </a:ln>
+                <a:solidFill>
+                  <a:schemeClr val="accent3"/>
+                </a:solidFill>
+              </a:rPr>
+              <a:t>,z</a:t>
+            </a:r>
+            <a:r>
+              <a:rPr sz="2000" b="1" baseline="-25000">
+                <a:ln>
+                  <a:noFill/>
+                </a:ln>
+                <a:solidFill>
+                  <a:schemeClr val="accent3"/>
+                </a:solidFill>
+              </a:rPr>
+              <a:t>1</a:t>
+            </a:r>
+            <a:r>
+              <a:rPr sz="2000" b="1">
+                <a:ln>
+                  <a:noFill/>
+                </a:ln>
+                <a:solidFill>
+                  <a:schemeClr val="accent3"/>
+                </a:solidFill>
+              </a:rPr>
+              <a:t>)</a:t>
+            </a:r>
+            <a:endParaRPr sz="1200" b="1">
+              <a:ln>
+                <a:noFill/>
+              </a:ln>
+              <a:solidFill>
+                <a:schemeClr val="accent3"/>
+              </a:solidFill>
+            </a:endParaRPr>
+          </a:p>
+        </p:txBody>
+      </p:sp>
+      <p:sp>
+        <p:nvSpPr>
+          <p:cNvPr id="10" name="" hidden="0"/>
+          <p:cNvSpPr/>
+          <p:nvPr isPhoto="0" userDrawn="0"/>
+        </p:nvSpPr>
+        <p:spPr bwMode="auto">
+          <a:xfrm>
+            <a:off x="4789532" y="2983740"/>
+            <a:ext cx="1178236" cy="396275"/>
+          </a:xfrm>
+          <a:prstGeom prst="rect">
+            <a:avLst/>
+          </a:prstGeom>
+          <a:noFill/>
+          <a:ln>
+            <a:noFill/>
+          </a:ln>
+        </p:spPr>
+        <p:txBody>
+          <a:bodyPr rot="0" spcFirstLastPara="0" vertOverflow="overflow" horzOverflow="clip" vert="horz" wrap="none" lIns="91440" tIns="45720" rIns="91440" bIns="45720" numCol="1" spcCol="0" rtlCol="0" fromWordArt="0" anchor="t" anchorCtr="0" forceAA="0" upright="0" compatLnSpc="1">
+            <a:prstTxWarp prst="textNoShape"/>
+            <a:spAutoFit/>
+          </a:bodyPr>
+          <a:p>
+            <a:pPr algn="ctr">
+              <a:defRPr/>
+            </a:pPr>
+            <a:r>
+              <a:rPr sz="2000" b="1">
+                <a:ln>
+                  <a:noFill/>
+                </a:ln>
+                <a:solidFill>
+                  <a:schemeClr val="accent3"/>
+                </a:solidFill>
+              </a:rPr>
+              <a:t>(x</a:t>
+            </a:r>
+            <a:r>
+              <a:rPr sz="2000" b="1" baseline="-25000">
+                <a:ln>
+                  <a:noFill/>
+                </a:ln>
+                <a:solidFill>
+                  <a:schemeClr val="accent3"/>
+                </a:solidFill>
+              </a:rPr>
+              <a:t>3</a:t>
+            </a:r>
+            <a:r>
+              <a:rPr sz="2000" b="1">
+                <a:ln>
+                  <a:noFill/>
+                </a:ln>
+                <a:solidFill>
+                  <a:schemeClr val="accent3"/>
+                </a:solidFill>
+              </a:rPr>
+              <a:t>,y</a:t>
+            </a:r>
+            <a:r>
+              <a:rPr sz="2000" b="1" baseline="-25000">
+                <a:ln>
+                  <a:noFill/>
+                </a:ln>
+                <a:solidFill>
+                  <a:schemeClr val="accent3"/>
+                </a:solidFill>
+              </a:rPr>
+              <a:t>3</a:t>
+            </a:r>
+            <a:r>
+              <a:rPr sz="2000" b="1">
+                <a:ln>
+                  <a:noFill/>
+                </a:ln>
+                <a:solidFill>
+                  <a:schemeClr val="accent3"/>
+                </a:solidFill>
+              </a:rPr>
+              <a:t>,z</a:t>
+            </a:r>
+            <a:r>
+              <a:rPr sz="2000" b="1" baseline="-25000">
+                <a:ln>
+                  <a:noFill/>
+                </a:ln>
+                <a:solidFill>
+                  <a:schemeClr val="accent3"/>
+                </a:solidFill>
+              </a:rPr>
+              <a:t>3</a:t>
+            </a:r>
+            <a:r>
+              <a:rPr sz="2000" b="1">
+                <a:ln>
+                  <a:noFill/>
+                </a:ln>
+                <a:solidFill>
+                  <a:schemeClr val="accent3"/>
+                </a:solidFill>
+              </a:rPr>
+              <a:t>)</a:t>
+            </a:r>
+            <a:endParaRPr sz="1200" b="1">
+              <a:ln>
+                <a:noFill/>
+              </a:ln>
+              <a:solidFill>
+                <a:schemeClr val="accent3"/>
+              </a:solidFill>
+            </a:endParaRPr>
+          </a:p>
+        </p:txBody>
+      </p:sp>
+      <p:sp>
+        <p:nvSpPr>
+          <p:cNvPr id="11" name="" hidden="0"/>
+          <p:cNvSpPr/>
+          <p:nvPr isPhoto="0" userDrawn="0"/>
+        </p:nvSpPr>
+        <p:spPr bwMode="auto">
+          <a:xfrm>
+            <a:off x="7186801" y="1306721"/>
+            <a:ext cx="1178236" cy="396275"/>
+          </a:xfrm>
+          <a:prstGeom prst="rect">
+            <a:avLst/>
+          </a:prstGeom>
+          <a:noFill/>
+          <a:ln>
+            <a:noFill/>
+          </a:ln>
+        </p:spPr>
+        <p:txBody>
+          <a:bodyPr rot="0" spcFirstLastPara="0" vertOverflow="overflow" horzOverflow="clip" vert="horz" wrap="none" lIns="91440" tIns="45720" rIns="91440" bIns="45720" numCol="1" spcCol="0" rtlCol="0" fromWordArt="0" anchor="t" anchorCtr="0" forceAA="0" upright="0" compatLnSpc="1">
+            <a:prstTxWarp prst="textNoShape"/>
+            <a:spAutoFit/>
+          </a:bodyPr>
+          <a:p>
+            <a:pPr algn="ctr">
+              <a:defRPr/>
+            </a:pPr>
+            <a:r>
+              <a:rPr sz="2000" b="1">
+                <a:ln>
+                  <a:noFill/>
+                </a:ln>
+                <a:solidFill>
+                  <a:schemeClr val="accent3"/>
+                </a:solidFill>
+              </a:rPr>
+              <a:t>(x</a:t>
+            </a:r>
+            <a:r>
+              <a:rPr sz="2000" b="1" baseline="-25000">
+                <a:ln>
+                  <a:noFill/>
+                </a:ln>
+                <a:solidFill>
+                  <a:schemeClr val="accent3"/>
+                </a:solidFill>
+              </a:rPr>
+              <a:t>2</a:t>
+            </a:r>
+            <a:r>
+              <a:rPr sz="2000" b="1">
+                <a:ln>
+                  <a:noFill/>
+                </a:ln>
+                <a:solidFill>
+                  <a:schemeClr val="accent3"/>
+                </a:solidFill>
+              </a:rPr>
+              <a:t>,y</a:t>
+            </a:r>
+            <a:r>
+              <a:rPr sz="2000" b="1" baseline="-25000">
+                <a:ln>
+                  <a:noFill/>
+                </a:ln>
+                <a:solidFill>
+                  <a:schemeClr val="accent3"/>
+                </a:solidFill>
+              </a:rPr>
+              <a:t>2</a:t>
+            </a:r>
+            <a:r>
+              <a:rPr sz="2000" b="1">
+                <a:ln>
+                  <a:noFill/>
+                </a:ln>
+                <a:solidFill>
+                  <a:schemeClr val="accent3"/>
+                </a:solidFill>
+              </a:rPr>
+              <a:t>,z</a:t>
+            </a:r>
+            <a:r>
+              <a:rPr sz="2000" b="1" baseline="-25000">
+                <a:ln>
+                  <a:noFill/>
+                </a:ln>
+                <a:solidFill>
+                  <a:schemeClr val="accent3"/>
+                </a:solidFill>
+              </a:rPr>
+              <a:t>2</a:t>
+            </a:r>
+            <a:r>
+              <a:rPr sz="2000" b="1">
+                <a:ln>
+                  <a:noFill/>
+                </a:ln>
+                <a:solidFill>
+                  <a:schemeClr val="accent3"/>
+                </a:solidFill>
+              </a:rPr>
+              <a:t>)</a:t>
+            </a:r>
+            <a:endParaRPr sz="1200" b="1">
+              <a:ln>
+                <a:noFill/>
+              </a:ln>
+              <a:solidFill>
+                <a:schemeClr val="accent3"/>
+              </a:solidFill>
+            </a:endParaRPr>
+          </a:p>
+        </p:txBody>
+      </p:sp>
+      <p:sp>
+        <p:nvSpPr>
+          <p:cNvPr id="12" name="" hidden="0"/>
+          <p:cNvSpPr/>
+          <p:nvPr isPhoto="0" userDrawn="0"/>
+        </p:nvSpPr>
+        <p:spPr bwMode="auto">
+          <a:xfrm>
+            <a:off x="7186801" y="2983740"/>
+            <a:ext cx="1178236" cy="396275"/>
+          </a:xfrm>
+          <a:prstGeom prst="rect">
+            <a:avLst/>
+          </a:prstGeom>
+          <a:noFill/>
+          <a:ln>
+            <a:noFill/>
+          </a:ln>
+        </p:spPr>
+        <p:txBody>
+          <a:bodyPr rot="0" spcFirstLastPara="0" vertOverflow="overflow" horzOverflow="clip" vert="horz" wrap="none" lIns="91440" tIns="45720" rIns="91440" bIns="45720" numCol="1" spcCol="0" rtlCol="0" fromWordArt="0" anchor="t" anchorCtr="0" forceAA="0" upright="0" compatLnSpc="1">
+            <a:prstTxWarp prst="textNoShape"/>
+            <a:spAutoFit/>
+          </a:bodyPr>
+          <a:p>
+            <a:pPr algn="ctr">
+              <a:defRPr/>
+            </a:pPr>
+            <a:r>
+              <a:rPr sz="2000" b="1">
+                <a:ln>
+                  <a:noFill/>
+                </a:ln>
+                <a:solidFill>
+                  <a:schemeClr val="accent3"/>
+                </a:solidFill>
+              </a:rPr>
+              <a:t>(x</a:t>
+            </a:r>
+            <a:r>
+              <a:rPr sz="2000" b="1" baseline="-25000">
+                <a:ln>
+                  <a:noFill/>
+                </a:ln>
+                <a:solidFill>
+                  <a:schemeClr val="accent3"/>
+                </a:solidFill>
+              </a:rPr>
+              <a:t>4</a:t>
+            </a:r>
+            <a:r>
+              <a:rPr sz="2000" b="1">
+                <a:ln>
+                  <a:noFill/>
+                </a:ln>
+                <a:solidFill>
+                  <a:schemeClr val="accent3"/>
+                </a:solidFill>
+              </a:rPr>
+              <a:t>,y</a:t>
+            </a:r>
+            <a:r>
+              <a:rPr sz="2000" b="1" baseline="-25000">
+                <a:ln>
+                  <a:noFill/>
+                </a:ln>
+                <a:solidFill>
+                  <a:schemeClr val="accent3"/>
+                </a:solidFill>
+              </a:rPr>
+              <a:t>4</a:t>
+            </a:r>
+            <a:r>
+              <a:rPr sz="2000" b="1">
+                <a:ln>
+                  <a:noFill/>
+                </a:ln>
+                <a:solidFill>
+                  <a:schemeClr val="accent3"/>
+                </a:solidFill>
+              </a:rPr>
+              <a:t>,z</a:t>
+            </a:r>
+            <a:r>
+              <a:rPr sz="2000" b="1" baseline="-25000">
+                <a:ln>
+                  <a:noFill/>
+                </a:ln>
+                <a:solidFill>
+                  <a:schemeClr val="accent3"/>
+                </a:solidFill>
+              </a:rPr>
+              <a:t>4</a:t>
+            </a:r>
+            <a:r>
+              <a:rPr sz="2000" b="1">
+                <a:ln>
+                  <a:noFill/>
+                </a:ln>
+                <a:solidFill>
+                  <a:schemeClr val="accent3"/>
+                </a:solidFill>
+              </a:rPr>
+              <a:t>)</a:t>
+            </a:r>
+            <a:endParaRPr sz="1200" b="1">
+              <a:ln>
+                <a:noFill/>
+              </a:ln>
+              <a:solidFill>
+                <a:schemeClr val="accent3"/>
+              </a:solidFill>
+            </a:endParaRPr>
+          </a:p>
+        </p:txBody>
+      </p:sp>
+      <p:cxnSp>
+        <p:nvCxnSpPr>
+          <p:cNvPr id="13" name="" hidden="0"/>
+          <p:cNvCxnSpPr>
+            <a:cxnSpLocks/>
+            <a:stCxn id="4" idx="2"/>
+            <a:endCxn id="8" idx="2"/>
+          </p:cNvCxnSpPr>
+          <p:nvPr isPhoto="0" userDrawn="0"/>
+        </p:nvCxnSpPr>
+        <p:spPr bwMode="auto">
+          <a:xfrm rot="5399978" flipH="1" flipV="1">
+            <a:off x="4264720" y="2159539"/>
+            <a:ext cx="552951" cy="4051386"/>
+          </a:xfrm>
+          <a:prstGeom prst="curvedConnector3">
+            <a:avLst>
+              <a:gd name="adj1" fmla="val -88395"/>
+            </a:avLst>
+          </a:prstGeom>
+          <a:ln w="38099" cap="flat" cmpd="sng" algn="ctr">
+            <a:solidFill>
+              <a:srgbClr val="C00000"/>
+            </a:solidFill>
+            <a:prstDash val="solid"/>
+            <a:tailEnd type="arrow" len="med"/>
+          </a:ln>
+        </p:spPr>
+        <p:style>
+          <a:lnRef idx="1">
+            <a:schemeClr val="accent1">
+              <a:shade val="50000"/>
+            </a:schemeClr>
+          </a:lnRef>
+          <a:fillRef idx="0">
+            <a:schemeClr val="accent1"/>
+          </a:fillRef>
+          <a:effectRef idx="0">
+            <a:schemeClr val="accent1"/>
+          </a:effectRef>
+          <a:fontRef idx="minor">
+            <a:schemeClr val="tx1"/>
+          </a:fontRef>
+        </p:style>
+      </p:cxnSp>
     </p:spTree>
   </p:cSld>
   <p:clrMapOvr>
@@ -8289,6 +8940,24 @@
 <file path=ppt/slides/slide9.xml><?xml version="1.0" encoding="utf-8"?>
 <p:sld xmlns:a="http://schemas.openxmlformats.org/drawingml/2006/main" xmlns:r="http://schemas.openxmlformats.org/officeDocument/2006/relationships" xmlns:p="http://schemas.openxmlformats.org/presentationml/2006/main" xmlns:m="http://schemas.openxmlformats.org/officeDocument/2006/math" xmlns:w="http://schemas.openxmlformats.org/wordprocessingml/2006/main" showMasterPhAnim="0" show="1">
   <p:cSld name="">
+    <p:bg>
+      <p:bgPr shadeToTitle="0">
+        <a:gradFill>
+          <a:gsLst>
+            <a:gs pos="0">
+              <a:schemeClr val="accent1"/>
+            </a:gs>
+            <a:gs pos="39000">
+              <a:srgbClr val="3544FF"/>
+            </a:gs>
+            <a:gs pos="100000">
+              <a:srgbClr val="0A2F9E"/>
+            </a:gs>
+          </a:gsLst>
+          <a:lin ang="8100000" scaled="1"/>
+        </a:gradFill>
+      </p:bgPr>
+    </p:bg>
     <p:spTree>
       <p:nvGrpSpPr>
         <p:cNvPr id="1" name="" hidden="0"/>
@@ -8448,7 +9117,7 @@
         </p:nvSpPr>
         <p:spPr bwMode="auto">
           <a:xfrm>
-            <a:off x="7816338" y="4560393"/>
+            <a:off x="7816338" y="4560392"/>
             <a:ext cx="548698" cy="393598"/>
           </a:xfrm>
           <a:prstGeom prst="rect">
@@ -8473,7 +9142,7 @@
             </a:pPr>
             <a:r>
               <a:rPr/>
-              <a:t>7</a:t>
+              <a:t>9</a:t>
             </a:r>
             <a:endParaRPr/>
           </a:p>
@@ -8494,7 +9163,7 @@
         <p:spPr bwMode="auto">
           <a:xfrm flipH="0" flipV="0">
             <a:off x="8421966" y="4531547"/>
-            <a:ext cx="466210" cy="451291"/>
+            <a:ext cx="466210" cy="451290"/>
           </a:xfrm>
           <a:prstGeom prst="rect">
             <a:avLst/>
@@ -8647,7 +9316,7 @@
         </p:nvSpPr>
         <p:spPr bwMode="auto">
           <a:xfrm flipH="0" flipV="0">
-            <a:off x="3021710" y="2118058"/>
+            <a:off x="3021709" y="2118057"/>
             <a:ext cx="814637" cy="1203156"/>
           </a:xfrm>
           <a:prstGeom prst="rect">
@@ -8970,13 +9639,19 @@
         </p:nvSpPr>
         <p:spPr bwMode="auto">
           <a:xfrm flipH="0" flipV="0">
-            <a:off x="4027922" y="2354980"/>
-            <a:ext cx="4687359" cy="1467551"/>
-          </a:xfrm>
-          <a:prstGeom prst="rect">
-            <a:avLst/>
-          </a:prstGeom>
-          <a:noFill/>
+            <a:off x="3886480" y="2118057"/>
+            <a:ext cx="5238749" cy="2368718"/>
+          </a:xfrm>
+          <a:prstGeom prst="rect">
+            <a:avLst/>
+          </a:prstGeom>
+          <a:solidFill>
+            <a:schemeClr val="accent6">
+              <a:lumMod val="60000"/>
+              <a:lumOff val="40000"/>
+              <a:alpha val="66000"/>
+            </a:schemeClr>
+          </a:solidFill>
           <a:ln>
             <a:noFill/>
           </a:ln>
@@ -8996,6 +9671,17 @@
                   <m:oMathPara>
                     <m:oMathParaPr/>
                     <m:oMath>
+                      <m:r>
+                        <m:rPr>
+                          <m:sty m:val="i"/>
+                        </m:rPr>
+                        <a:rPr sz="2800">
+                          <a:latin typeface="Cambria Math"/>
+                          <a:ea typeface="Cambria Math"/>
+                          <a:cs typeface="Cambria Math"/>
+                        </a:rPr>
+                        <m:t>feature_vec= </m:t>
+                      </m:r>
                       <m:nary>
                         <m:naryPr>
                           <m:chr m:val="∑"/>
@@ -9083,14 +9769,14 @@
               <a:defRPr/>
             </a:pPr>
             <a:r>
-              <a:rPr sz="1800" i="1">
+              <a:rPr sz="2000" i="1">
                 <a:latin typeface="Cambria Math"/>
                 <a:ea typeface="Cambria Math"/>
                 <a:cs typeface="Cambria Math"/>
               </a:rPr>
               <a:t>где R - размерность вектора = 3,</a:t>
             </a:r>
-            <a:endParaRPr sz="1800" i="1">
+            <a:endParaRPr sz="2000" i="1">
               <a:latin typeface="Cambria Math"/>
               <a:ea typeface="Cambria Math"/>
               <a:cs typeface="Cambria Math"/>
@@ -9101,14 +9787,14 @@
               <a:defRPr/>
             </a:pPr>
             <a:r>
-              <a:rPr sz="1800" i="1">
+              <a:rPr sz="2000" i="1">
                 <a:latin typeface="Cambria Math"/>
                 <a:ea typeface="Cambria Math"/>
                 <a:cs typeface="Cambria Math"/>
               </a:rPr>
               <a:t>A - максимальное значение пикселя = 256</a:t>
             </a:r>
-            <a:endParaRPr sz="1800" i="1">
+            <a:endParaRPr sz="2000" i="1">
               <a:latin typeface="Cambria Math"/>
               <a:ea typeface="Cambria Math"/>
               <a:cs typeface="Cambria Math"/>
@@ -9118,6 +9804,22 @@
             <a:pPr algn="ctr">
               <a:defRPr/>
             </a:pPr>
+            <a:r>
+              <a:rPr sz="2400" i="1">
+                <a:latin typeface="Cambria Math"/>
+                <a:ea typeface="Cambria Math"/>
+                <a:cs typeface="Cambria Math"/>
+              </a:rPr>
+              <a:t>len -</a:t>
+            </a:r>
+            <a:r>
+              <a:rPr sz="2000" i="1">
+                <a:latin typeface="Cambria Math"/>
+                <a:ea typeface="Cambria Math"/>
+                <a:cs typeface="Cambria Math"/>
+              </a:rPr>
+              <a:t> длина вектора каждой области</a:t>
+            </a:r>
             <a:endParaRPr sz="2400" i="1">
               <a:latin typeface="Cambria Math"/>
               <a:ea typeface="Cambria Math"/>
@@ -9145,42 +9847,42 @@
 <file path=ppt/theme/theme1.xml><?xml version="1.0" encoding="utf-8"?>
 <a:theme xmlns:a="http://schemas.openxmlformats.org/drawingml/2006/main" xmlns:r="http://schemas.openxmlformats.org/officeDocument/2006/relationships" xmlns:p="http://schemas.openxmlformats.org/presentationml/2006/main" name="Aliena template">
   <a:themeElements>
-    <a:clrScheme name="Custom 347">
+    <a:clrScheme name="Solstice">
       <a:dk1>
-        <a:srgbClr val="050060"/>
+        <a:srgbClr val="000000"/>
       </a:dk1>
       <a:lt1>
         <a:srgbClr val="FFFFFF"/>
       </a:lt1>
       <a:dk2>
-        <a:srgbClr val="585963"/>
+        <a:srgbClr val="4F271C"/>
       </a:dk2>
       <a:lt2>
-        <a:srgbClr val="F3F3F3"/>
+        <a:srgbClr val="E7DEC9"/>
       </a:lt2>
       <a:accent1>
-        <a:srgbClr val="0A2F9E"/>
+        <a:srgbClr val="3891A7"/>
       </a:accent1>
       <a:accent2>
-        <a:srgbClr val="3544FF"/>
+        <a:srgbClr val="FEB80A"/>
       </a:accent2>
       <a:accent3>
-        <a:srgbClr val="24D6FF"/>
+        <a:srgbClr val="C32D2E"/>
       </a:accent3>
       <a:accent4>
-        <a:srgbClr val="00FFFF"/>
+        <a:srgbClr val="84AA33"/>
       </a:accent4>
       <a:accent5>
-        <a:srgbClr val="A458FF"/>
+        <a:srgbClr val="964305"/>
       </a:accent5>
       <a:accent6>
-        <a:srgbClr val="D392FF"/>
+        <a:srgbClr val="475A8D"/>
       </a:accent6>
       <a:hlink>
-        <a:srgbClr val="FFFFFF"/>
+        <a:srgbClr val="8DC765"/>
       </a:hlink>
       <a:folHlink>
-        <a:srgbClr val="6611CC"/>
+        <a:srgbClr val="AA8A14"/>
       </a:folHlink>
     </a:clrScheme>
     <a:fontScheme name="Office">
@@ -9344,5 +10046,47 @@
     </a:fmtScheme>
   </a:themeElements>
   <a:objectDefaults/>
+  <a:extraClrSchemeLst>
+    <a:extraClrScheme>
+      <a:clrScheme name="Custom 347">
+        <a:dk1>
+          <a:srgbClr val="050060"/>
+        </a:dk1>
+        <a:lt1>
+          <a:srgbClr val="FFFFFF"/>
+        </a:lt1>
+        <a:dk2>
+          <a:srgbClr val="585963"/>
+        </a:dk2>
+        <a:lt2>
+          <a:srgbClr val="F3F3F3"/>
+        </a:lt2>
+        <a:accent1>
+          <a:srgbClr val="0A2F9E"/>
+        </a:accent1>
+        <a:accent2>
+          <a:srgbClr val="3544FF"/>
+        </a:accent2>
+        <a:accent3>
+          <a:srgbClr val="24D6FF"/>
+        </a:accent3>
+        <a:accent4>
+          <a:srgbClr val="00FFFF"/>
+        </a:accent4>
+        <a:accent5>
+          <a:srgbClr val="A458FF"/>
+        </a:accent5>
+        <a:accent6>
+          <a:srgbClr val="D392FF"/>
+        </a:accent6>
+        <a:hlink>
+          <a:srgbClr val="FFFFFF"/>
+        </a:hlink>
+        <a:folHlink>
+          <a:srgbClr val="6611CC"/>
+        </a:folHlink>
+      </a:clrScheme>
+    </a:extraClrScheme>
+  </a:extraClrSchemeLst>
 </a:theme>
 </file>